--- a/CalendarioAgo2023/presentaciones/8_ListasNumpy.pptx
+++ b/CalendarioAgo2023/presentaciones/8_ListasNumpy.pptx
@@ -5,7 +5,7 @@
     <p:sldMasterId id="2147483648" r:id="rId1"/>
   </p:sldMasterIdLst>
   <p:notesMasterIdLst>
-    <p:notesMasterId r:id="rId22"/>
+    <p:notesMasterId r:id="rId21"/>
   </p:notesMasterIdLst>
   <p:sldIdLst>
     <p:sldId id="256" r:id="rId2"/>
@@ -26,8 +26,7 @@
     <p:sldId id="271" r:id="rId17"/>
     <p:sldId id="272" r:id="rId18"/>
     <p:sldId id="273" r:id="rId19"/>
-    <p:sldId id="274" r:id="rId20"/>
-    <p:sldId id="275" r:id="rId21"/>
+    <p:sldId id="275" r:id="rId20"/>
   </p:sldIdLst>
   <p:sldSz cx="12192000" cy="6858000"/>
   <p:notesSz cx="12192000" cy="6858000"/>
@@ -822,52 +821,6 @@
 </p:notes>
 </file>
 
-<file path=ppt/notesSlides/notesSlide20.xml><?xml version="1.0" encoding="utf-8"?>
-<p:notes xmlns:a="http://schemas.openxmlformats.org/drawingml/2006/main" xmlns:r="http://schemas.openxmlformats.org/officeDocument/2006/relationships" xmlns:p="http://schemas.openxmlformats.org/presentationml/2006/main">
-  <p:cSld>
-    <p:spTree>
-      <p:nvGrpSpPr>
-        <p:cNvPr id="1" name=""/>
-        <p:cNvGrpSpPr/>
-        <p:nvPr/>
-      </p:nvGrpSpPr>
-      <p:grpSpPr>
-        <a:xfrm>
-          <a:off x="0" y="0"/>
-          <a:ext cx="0" cy="0"/>
-          <a:chOff x="0" y="0"/>
-          <a:chExt cx="0" cy="0"/>
-        </a:xfrm>
-      </p:grpSpPr>
-      <p:sp>
-        <p:nvSpPr>
-          <p:cNvPr id="2" name="Notes Placeholder"/>
-          <p:cNvSpPr>
-            <a:spLocks noGrp="1"/>
-          </p:cNvSpPr>
-          <p:nvPr>
-            <p:ph type="body" idx="1"/>
-          </p:nvPr>
-        </p:nvSpPr>
-        <p:spPr/>
-        <p:txBody>
-          <a:bodyPr>
-            <a:normAutofit fontScale="25000" lnSpcReduction="20000"/>
-          </a:bodyPr>
-          <a:lstStyle/>
-          <a:p>
-            <a:endParaRPr/>
-          </a:p>
-        </p:txBody>
-      </p:sp>
-    </p:spTree>
-  </p:cSld>
-  <p:clrMapOvr>
-    <a:masterClrMapping/>
-  </p:clrMapOvr>
-</p:notes>
-</file>
-
 <file path=ppt/notesSlides/notesSlide3.xml><?xml version="1.0" encoding="utf-8"?>
 <p:notes xmlns:a="http://schemas.openxmlformats.org/drawingml/2006/main" xmlns:r="http://schemas.openxmlformats.org/officeDocument/2006/relationships" xmlns:p="http://schemas.openxmlformats.org/presentationml/2006/main">
   <p:cSld>
@@ -1329,7 +1282,7 @@
           <a:p>
             <a:fld id="{1D8BD707-D9CF-40AE-B4C6-C98DA3205C09}" type="datetimeFigureOut">
               <a:rPr lang="en-US"/>
-              <a:t>10/6/2022</a:t>
+              <a:t>10/1/2023</a:t>
             </a:fld>
             <a:endParaRPr lang="en-US"/>
           </a:p>
@@ -1506,7 +1459,7 @@
           <a:p>
             <a:fld id="{1D8BD707-D9CF-40AE-B4C6-C98DA3205C09}" type="datetimeFigureOut">
               <a:rPr lang="en-US"/>
-              <a:t>10/6/2022</a:t>
+              <a:t>10/1/2023</a:t>
             </a:fld>
             <a:endParaRPr lang="en-US"/>
           </a:p>
@@ -1720,7 +1673,7 @@
           <a:p>
             <a:fld id="{1D8BD707-D9CF-40AE-B4C6-C98DA3205C09}" type="datetimeFigureOut">
               <a:rPr lang="en-US"/>
-              <a:t>10/6/2022</a:t>
+              <a:t>10/1/2023</a:t>
             </a:fld>
             <a:endParaRPr lang="en-US"/>
           </a:p>
@@ -1868,7 +1821,7 @@
           <a:p>
             <a:fld id="{1D8BD707-D9CF-40AE-B4C6-C98DA3205C09}" type="datetimeFigureOut">
               <a:rPr lang="en-US"/>
-              <a:t>10/6/2022</a:t>
+              <a:t>10/1/2023</a:t>
             </a:fld>
             <a:endParaRPr lang="en-US"/>
           </a:p>
@@ -1987,7 +1940,7 @@
           <a:p>
             <a:fld id="{1D8BD707-D9CF-40AE-B4C6-C98DA3205C09}" type="datetimeFigureOut">
               <a:rPr lang="en-US"/>
-              <a:t>10/6/2022</a:t>
+              <a:t>10/1/2023</a:t>
             </a:fld>
             <a:endParaRPr lang="en-US"/>
           </a:p>
@@ -2547,7 +2500,7 @@
           <a:p>
             <a:fld id="{1D8BD707-D9CF-40AE-B4C6-C98DA3205C09}" type="datetimeFigureOut">
               <a:rPr lang="en-US"/>
-              <a:t>10/6/2022</a:t>
+              <a:t>10/1/2023</a:t>
             </a:fld>
             <a:endParaRPr lang="en-US"/>
           </a:p>
@@ -3382,8 +3335,8 @@
         </p:nvSpPr>
         <p:spPr>
           <a:xfrm>
-            <a:off x="1388491" y="1579265"/>
-            <a:ext cx="3870960" cy="4577080"/>
+            <a:off x="1388490" y="1579265"/>
+            <a:ext cx="4707509" cy="4652556"/>
           </a:xfrm>
           <a:prstGeom prst="rect">
             <a:avLst/>
@@ -3451,7 +3404,7 @@
               </a:rPr>
               <a:t>lista.</a:t>
             </a:r>
-            <a:endParaRPr sz="2400">
+            <a:endParaRPr sz="2400" dirty="0">
               <a:latin typeface="Corbel"/>
               <a:cs typeface="Corbel"/>
             </a:endParaRPr>
@@ -3470,7 +3423,7 @@
               <a:buFont typeface="Arial"/>
               <a:buChar char="•"/>
             </a:pPr>
-            <a:endParaRPr sz="4550">
+            <a:endParaRPr sz="4550" dirty="0">
               <a:latin typeface="Times New Roman"/>
               <a:cs typeface="Times New Roman"/>
             </a:endParaRPr>
@@ -3525,7 +3478,7 @@
               </a:rPr>
               <a:t>3.</a:t>
             </a:r>
-            <a:endParaRPr sz="2400">
+            <a:endParaRPr sz="2400" dirty="0">
               <a:latin typeface="Corbel"/>
               <a:cs typeface="Corbel"/>
             </a:endParaRPr>
@@ -3544,7 +3497,7 @@
               <a:buFont typeface="Arial"/>
               <a:buChar char="•"/>
             </a:pPr>
-            <a:endParaRPr sz="4550">
+            <a:endParaRPr sz="4550" dirty="0">
               <a:latin typeface="Times New Roman"/>
               <a:cs typeface="Times New Roman"/>
             </a:endParaRPr>
@@ -3565,62 +3518,55 @@
               </a:tabLst>
             </a:pPr>
             <a:r>
+              <a:rPr sz="2400" b="1" spc="-15" dirty="0" err="1">
+                <a:latin typeface="Corbel"/>
+                <a:cs typeface="Corbel"/>
+              </a:rPr>
+              <a:t>De</a:t>
+            </a:r>
+            <a:r>
+              <a:rPr sz="2400" b="1" spc="-10" dirty="0" err="1">
+                <a:latin typeface="Corbel"/>
+                <a:cs typeface="Corbel"/>
+              </a:rPr>
+              <a:t>s</a:t>
+            </a:r>
+            <a:r>
+              <a:rPr sz="2400" b="1" spc="-15" dirty="0" err="1">
+                <a:latin typeface="Corbel"/>
+                <a:cs typeface="Corbel"/>
+              </a:rPr>
+              <a:t>pliega</a:t>
+            </a:r>
+            <a:r>
               <a:rPr sz="2400" b="1" spc="-15" dirty="0">
                 <a:latin typeface="Corbel"/>
                 <a:cs typeface="Corbel"/>
               </a:rPr>
-              <a:t>De</a:t>
+              <a:t> d</a:t>
             </a:r>
             <a:r>
               <a:rPr sz="2400" b="1" spc="-10" dirty="0">
                 <a:latin typeface="Corbel"/>
                 <a:cs typeface="Corbel"/>
               </a:rPr>
-              <a:t>s</a:t>
-            </a:r>
-            <a:r>
-              <a:rPr sz="2400" b="1" spc="-15" dirty="0">
-                <a:latin typeface="Corbel"/>
-                <a:cs typeface="Corbel"/>
-              </a:rPr>
-              <a:t>pliega d</a:t>
-            </a:r>
-            <a:r>
-              <a:rPr sz="2400" b="1" spc="-10" dirty="0">
-                <a:latin typeface="Corbel"/>
-                <a:cs typeface="Corbel"/>
-              </a:rPr>
               <a:t>e</a:t>
             </a:r>
             <a:r>
+              <a:rPr lang="es-ES" sz="2400" b="1" spc="-10" dirty="0">
+                <a:latin typeface="Corbel"/>
+                <a:cs typeface="Corbel"/>
+              </a:rPr>
+              <a:t> la posición 2 a la 3</a:t>
+            </a:r>
+            <a:r>
               <a:rPr sz="2400" b="1" dirty="0">
                 <a:latin typeface="Corbel"/>
                 <a:cs typeface="Corbel"/>
               </a:rPr>
-              <a:t>l</a:t>
-            </a:r>
-            <a:r>
-              <a:rPr sz="2400" b="1" spc="-25" dirty="0">
-                <a:latin typeface="Corbel"/>
-                <a:cs typeface="Corbel"/>
-              </a:rPr>
-              <a:t> </a:t>
-            </a:r>
-            <a:r>
-              <a:rPr sz="2400" b="1" spc="-15" dirty="0">
-                <a:latin typeface="Corbel"/>
-                <a:cs typeface="Corbel"/>
-              </a:rPr>
-              <a:t>3</a:t>
-            </a:r>
-            <a:r>
-              <a:rPr sz="2400" b="1" dirty="0">
-                <a:latin typeface="Corbel"/>
-                <a:cs typeface="Corbel"/>
-              </a:rPr>
-              <a:t> al 4.</a:t>
-            </a:r>
-            <a:endParaRPr sz="2400">
+              <a:t>.</a:t>
+            </a:r>
+            <a:endParaRPr sz="2400" dirty="0">
               <a:latin typeface="Corbel"/>
               <a:cs typeface="Corbel"/>
             </a:endParaRPr>
@@ -3639,7 +3585,7 @@
               <a:buFont typeface="Arial"/>
               <a:buChar char="•"/>
             </a:pPr>
-            <a:endParaRPr sz="4500">
+            <a:endParaRPr sz="4500" dirty="0">
               <a:latin typeface="Times New Roman"/>
               <a:cs typeface="Times New Roman"/>
             </a:endParaRPr>
@@ -3680,7 +3626,7 @@
               </a:rPr>
               <a:t> 70.</a:t>
             </a:r>
-            <a:endParaRPr sz="2400">
+            <a:endParaRPr sz="2400" dirty="0">
               <a:latin typeface="Corbel"/>
               <a:cs typeface="Corbel"/>
             </a:endParaRPr>
@@ -3699,7 +3645,7 @@
               <a:buFont typeface="Arial"/>
               <a:buChar char="•"/>
             </a:pPr>
-            <a:endParaRPr sz="4550">
+            <a:endParaRPr sz="4550" dirty="0">
               <a:latin typeface="Times New Roman"/>
               <a:cs typeface="Times New Roman"/>
             </a:endParaRPr>
@@ -3810,7 +3756,7 @@
               </a:rPr>
               <a:t>lista.</a:t>
             </a:r>
-            <a:endParaRPr sz="2400">
+            <a:endParaRPr sz="2400" dirty="0">
               <a:latin typeface="Corbel"/>
               <a:cs typeface="Corbel"/>
             </a:endParaRPr>
@@ -3825,7 +3771,7 @@
         </p:nvSpPr>
         <p:spPr>
           <a:xfrm>
-            <a:off x="6030467" y="2619755"/>
+            <a:off x="6781800" y="2631666"/>
             <a:ext cx="2834640" cy="509015"/>
           </a:xfrm>
           <a:prstGeom prst="rect">
@@ -3854,7 +3800,7 @@
         </p:nvSpPr>
         <p:spPr>
           <a:xfrm>
-            <a:off x="6030467" y="3674364"/>
+            <a:off x="6781800" y="3686275"/>
             <a:ext cx="3066288" cy="483107"/>
           </a:xfrm>
           <a:prstGeom prst="rect">
@@ -3883,7 +3829,7 @@
         </p:nvSpPr>
         <p:spPr>
           <a:xfrm>
-            <a:off x="6030467" y="4704588"/>
+            <a:off x="6781800" y="4716499"/>
             <a:ext cx="2185416" cy="518160"/>
           </a:xfrm>
           <a:prstGeom prst="rect">
@@ -3912,7 +3858,7 @@
         </p:nvSpPr>
         <p:spPr>
           <a:xfrm>
-            <a:off x="6039611" y="5769864"/>
+            <a:off x="6790944" y="5781775"/>
             <a:ext cx="2004060" cy="406908"/>
           </a:xfrm>
           <a:prstGeom prst="rect">
@@ -3941,7 +3887,7 @@
         </p:nvSpPr>
         <p:spPr>
           <a:xfrm>
-            <a:off x="6030467" y="1525524"/>
+            <a:off x="6781800" y="1537435"/>
             <a:ext cx="2004060" cy="406908"/>
           </a:xfrm>
           <a:prstGeom prst="rect">
@@ -4067,8 +4013,8 @@
         </p:nvSpPr>
         <p:spPr>
           <a:xfrm>
-            <a:off x="1388491" y="1579265"/>
-            <a:ext cx="3870960" cy="4577080"/>
+            <a:off x="1388490" y="1579265"/>
+            <a:ext cx="4555109" cy="4652556"/>
           </a:xfrm>
           <a:prstGeom prst="rect">
             <a:avLst/>
@@ -4136,7 +4082,7 @@
               </a:rPr>
               <a:t>lista.</a:t>
             </a:r>
-            <a:endParaRPr sz="2400">
+            <a:endParaRPr sz="2400" dirty="0">
               <a:latin typeface="Corbel"/>
               <a:cs typeface="Corbel"/>
             </a:endParaRPr>
@@ -4155,7 +4101,7 @@
               <a:buFont typeface="Arial"/>
               <a:buChar char="•"/>
             </a:pPr>
-            <a:endParaRPr sz="4550">
+            <a:endParaRPr sz="4550" dirty="0">
               <a:latin typeface="Times New Roman"/>
               <a:cs typeface="Times New Roman"/>
             </a:endParaRPr>
@@ -4210,7 +4156,7 @@
               </a:rPr>
               <a:t>3.</a:t>
             </a:r>
-            <a:endParaRPr sz="2400">
+            <a:endParaRPr sz="2400" dirty="0">
               <a:latin typeface="Corbel"/>
               <a:cs typeface="Corbel"/>
             </a:endParaRPr>
@@ -4229,7 +4175,7 @@
               <a:buFont typeface="Arial"/>
               <a:buChar char="•"/>
             </a:pPr>
-            <a:endParaRPr sz="4550">
+            <a:endParaRPr sz="4550" dirty="0">
               <a:latin typeface="Times New Roman"/>
               <a:cs typeface="Times New Roman"/>
             </a:endParaRPr>
@@ -4250,62 +4196,76 @@
               </a:tabLst>
             </a:pPr>
             <a:r>
+              <a:rPr sz="2400" b="1" spc="-15" dirty="0" err="1">
+                <a:latin typeface="Corbel"/>
+                <a:cs typeface="Corbel"/>
+              </a:rPr>
+              <a:t>De</a:t>
+            </a:r>
+            <a:r>
+              <a:rPr sz="2400" b="1" spc="-10" dirty="0" err="1">
+                <a:latin typeface="Corbel"/>
+                <a:cs typeface="Corbel"/>
+              </a:rPr>
+              <a:t>s</a:t>
+            </a:r>
+            <a:r>
+              <a:rPr sz="2400" b="1" spc="-15" dirty="0" err="1">
+                <a:latin typeface="Corbel"/>
+                <a:cs typeface="Corbel"/>
+              </a:rPr>
+              <a:t>pliega</a:t>
+            </a:r>
+            <a:r>
               <a:rPr sz="2400" b="1" spc="-15" dirty="0">
                 <a:latin typeface="Corbel"/>
                 <a:cs typeface="Corbel"/>
               </a:rPr>
-              <a:t>De</a:t>
+              <a:t> d</a:t>
             </a:r>
             <a:r>
               <a:rPr sz="2400" b="1" spc="-10" dirty="0">
                 <a:latin typeface="Corbel"/>
                 <a:cs typeface="Corbel"/>
               </a:rPr>
-              <a:t>s</a:t>
+              <a:t>e</a:t>
+            </a:r>
+            <a:r>
+              <a:rPr lang="es-ES" sz="2400" b="1" spc="-10" dirty="0">
+                <a:latin typeface="Corbel"/>
+                <a:cs typeface="Corbel"/>
+              </a:rPr>
+              <a:t> </a:t>
+            </a:r>
+            <a:r>
+              <a:rPr sz="2400" b="1" dirty="0">
+                <a:latin typeface="Corbel"/>
+                <a:cs typeface="Corbel"/>
+              </a:rPr>
+              <a:t>l</a:t>
+            </a:r>
+            <a:r>
+              <a:rPr lang="es-ES" sz="2400" b="1" dirty="0">
+                <a:latin typeface="Corbel"/>
+                <a:cs typeface="Corbel"/>
+              </a:rPr>
+              <a:t>a posición 2 a la </a:t>
             </a:r>
             <a:r>
               <a:rPr sz="2400" b="1" spc="-15" dirty="0">
                 <a:latin typeface="Corbel"/>
                 <a:cs typeface="Corbel"/>
               </a:rPr>
-              <a:t>pliega d</a:t>
-            </a:r>
-            <a:r>
-              <a:rPr sz="2400" b="1" spc="-10" dirty="0">
-                <a:latin typeface="Corbel"/>
-                <a:cs typeface="Corbel"/>
-              </a:rPr>
-              <a:t>e</a:t>
+              <a:t>3</a:t>
             </a:r>
             <a:r>
               <a:rPr sz="2400" b="1" dirty="0">
                 <a:latin typeface="Corbel"/>
                 <a:cs typeface="Corbel"/>
               </a:rPr>
-              <a:t>l</a:t>
-            </a:r>
-            <a:r>
-              <a:rPr sz="2400" b="1" spc="-25" dirty="0">
-                <a:latin typeface="Corbel"/>
-                <a:cs typeface="Corbel"/>
-              </a:rPr>
-              <a:t> </a:t>
-            </a:r>
-            <a:r>
-              <a:rPr sz="2400" b="1" spc="-15" dirty="0">
-                <a:latin typeface="Corbel"/>
-                <a:cs typeface="Corbel"/>
-              </a:rPr>
-              <a:t>3</a:t>
-            </a:r>
-            <a:r>
-              <a:rPr sz="2400" b="1" dirty="0">
-                <a:latin typeface="Corbel"/>
-                <a:cs typeface="Corbel"/>
-              </a:rPr>
-              <a:t> al 4.</a:t>
-            </a:r>
-            <a:endParaRPr sz="2400">
+              <a:t>.</a:t>
+            </a:r>
+            <a:endParaRPr sz="2400" dirty="0">
               <a:latin typeface="Corbel"/>
               <a:cs typeface="Corbel"/>
             </a:endParaRPr>
@@ -4324,7 +4284,7 @@
               <a:buFont typeface="Arial"/>
               <a:buChar char="•"/>
             </a:pPr>
-            <a:endParaRPr sz="4500">
+            <a:endParaRPr sz="4500" dirty="0">
               <a:latin typeface="Times New Roman"/>
               <a:cs typeface="Times New Roman"/>
             </a:endParaRPr>
@@ -4365,7 +4325,7 @@
               </a:rPr>
               <a:t> 70.</a:t>
             </a:r>
-            <a:endParaRPr sz="2400">
+            <a:endParaRPr sz="2400" dirty="0">
               <a:latin typeface="Corbel"/>
               <a:cs typeface="Corbel"/>
             </a:endParaRPr>
@@ -4384,7 +4344,7 @@
               <a:buFont typeface="Arial"/>
               <a:buChar char="•"/>
             </a:pPr>
-            <a:endParaRPr sz="4550">
+            <a:endParaRPr sz="4550" dirty="0">
               <a:latin typeface="Times New Roman"/>
               <a:cs typeface="Times New Roman"/>
             </a:endParaRPr>
@@ -4495,7 +4455,7 @@
               </a:rPr>
               <a:t>lista.</a:t>
             </a:r>
-            <a:endParaRPr sz="2400">
+            <a:endParaRPr sz="2400" dirty="0">
               <a:latin typeface="Corbel"/>
               <a:cs typeface="Corbel"/>
             </a:endParaRPr>
@@ -4510,7 +4470,7 @@
         </p:nvSpPr>
         <p:spPr>
           <a:xfrm>
-            <a:off x="6030467" y="2002535"/>
+            <a:off x="6248403" y="1924811"/>
             <a:ext cx="5620512" cy="406908"/>
           </a:xfrm>
           <a:prstGeom prst="rect">
@@ -4539,7 +4499,7 @@
         </p:nvSpPr>
         <p:spPr>
           <a:xfrm>
-            <a:off x="6030467" y="2607564"/>
+            <a:off x="6248403" y="2529840"/>
             <a:ext cx="2834640" cy="507491"/>
           </a:xfrm>
           <a:prstGeom prst="rect">
@@ -4568,7 +4528,7 @@
         </p:nvSpPr>
         <p:spPr>
           <a:xfrm>
-            <a:off x="6030467" y="3674364"/>
+            <a:off x="6248403" y="3596640"/>
             <a:ext cx="3066288" cy="483107"/>
           </a:xfrm>
           <a:prstGeom prst="rect">
@@ -4597,7 +4557,7 @@
         </p:nvSpPr>
         <p:spPr>
           <a:xfrm>
-            <a:off x="6030467" y="4704588"/>
+            <a:off x="6248403" y="4626864"/>
             <a:ext cx="2185416" cy="518160"/>
           </a:xfrm>
           <a:prstGeom prst="rect">
@@ -4626,7 +4586,7 @@
         </p:nvSpPr>
         <p:spPr>
           <a:xfrm>
-            <a:off x="6030467" y="5567173"/>
+            <a:off x="6248403" y="5489449"/>
             <a:ext cx="2004060" cy="406908"/>
           </a:xfrm>
           <a:prstGeom prst="rect">
@@ -4655,7 +4615,7 @@
         </p:nvSpPr>
         <p:spPr>
           <a:xfrm>
-            <a:off x="6030467" y="1525524"/>
+            <a:off x="6248403" y="1447800"/>
             <a:ext cx="2004060" cy="406908"/>
           </a:xfrm>
           <a:prstGeom prst="rect">
@@ -4684,7 +4644,7 @@
         </p:nvSpPr>
         <p:spPr>
           <a:xfrm>
-            <a:off x="6039611" y="3156204"/>
+            <a:off x="6257547" y="3078480"/>
             <a:ext cx="2670047" cy="405384"/>
           </a:xfrm>
           <a:prstGeom prst="rect">
@@ -4713,7 +4673,7 @@
         </p:nvSpPr>
         <p:spPr>
           <a:xfrm>
-            <a:off x="6039611" y="4207764"/>
+            <a:off x="6257547" y="4130040"/>
             <a:ext cx="1421891" cy="394716"/>
           </a:xfrm>
           <a:prstGeom prst="rect">
@@ -4742,7 +4702,7 @@
         </p:nvSpPr>
         <p:spPr>
           <a:xfrm>
-            <a:off x="6030467" y="6019800"/>
+            <a:off x="6248403" y="5942076"/>
             <a:ext cx="4835651" cy="405384"/>
           </a:xfrm>
           <a:prstGeom prst="rect">
@@ -9397,8 +9357,8 @@
         </p:nvSpPr>
         <p:spPr>
           <a:xfrm>
-            <a:off x="1445133" y="93572"/>
-            <a:ext cx="9702165" cy="1256030"/>
+            <a:off x="3048000" y="2362200"/>
+            <a:ext cx="6885940" cy="663643"/>
           </a:xfrm>
           <a:prstGeom prst="rect">
             <a:avLst/>
@@ -9410,263 +9370,29 @@
           </a:bodyPr>
           <a:lstStyle/>
           <a:p>
-            <a:pPr algn="ctr">
+            <a:pPr marL="12700" marR="207645">
               <a:lnSpc>
-                <a:spcPct val="100000"/>
+                <a:spcPts val="4750"/>
               </a:lnSpc>
+              <a:tabLst>
+                <a:tab pos="1269365" algn="l"/>
+                <a:tab pos="1521460" algn="l"/>
+              </a:tabLst>
             </a:pPr>
             <a:r>
-              <a:rPr sz="4400" spc="-225" dirty="0">
-                <a:latin typeface="Arial Rounded MT Bold"/>
-                <a:cs typeface="Arial Rounded MT Bold"/>
-              </a:rPr>
-              <a:t>V</a:t>
-            </a:r>
-            <a:r>
-              <a:rPr sz="4400" spc="-5" dirty="0">
-                <a:latin typeface="Arial Rounded MT Bold"/>
-                <a:cs typeface="Arial Rounded MT Bold"/>
-              </a:rPr>
-              <a:t>eamo</a:t>
-            </a:r>
-            <a:r>
-              <a:rPr sz="4400" dirty="0">
-                <a:latin typeface="Arial Rounded MT Bold"/>
-                <a:cs typeface="Arial Rounded MT Bold"/>
-              </a:rPr>
-              <a:t>s</a:t>
-            </a:r>
-            <a:r>
-              <a:rPr sz="4400" spc="-15" dirty="0">
-                <a:latin typeface="Arial Rounded MT Bold"/>
-                <a:cs typeface="Arial Rounded MT Bold"/>
-              </a:rPr>
-              <a:t> </a:t>
-            </a:r>
-            <a:r>
-              <a:rPr sz="4400" dirty="0">
-                <a:latin typeface="Arial Rounded MT Bold"/>
-                <a:cs typeface="Arial Rounded MT Bold"/>
-              </a:rPr>
-              <a:t>un </a:t>
-            </a:r>
-            <a:r>
-              <a:rPr sz="4400" spc="-5" dirty="0">
-                <a:latin typeface="Arial Rounded MT Bold"/>
-                <a:cs typeface="Arial Rounded MT Bold"/>
-              </a:rPr>
-              <a:t>ej</a:t>
-            </a:r>
-            <a:r>
-              <a:rPr sz="4400" spc="-15" dirty="0">
-                <a:latin typeface="Arial Rounded MT Bold"/>
-                <a:cs typeface="Arial Rounded MT Bold"/>
-              </a:rPr>
-              <a:t>e</a:t>
-            </a:r>
-            <a:r>
-              <a:rPr sz="4400" dirty="0">
-                <a:latin typeface="Arial Rounded MT Bold"/>
-                <a:cs typeface="Arial Rounded MT Bold"/>
-              </a:rPr>
-              <a:t>mplo</a:t>
-            </a:r>
-            <a:r>
-              <a:rPr sz="4400" spc="-35" dirty="0">
-                <a:latin typeface="Arial Rounded MT Bold"/>
-                <a:cs typeface="Arial Rounded MT Bold"/>
-              </a:rPr>
-              <a:t> </a:t>
-            </a:r>
-            <a:r>
-              <a:rPr sz="4400" dirty="0">
-                <a:latin typeface="Arial Rounded MT Bold"/>
-                <a:cs typeface="Arial Rounded MT Bold"/>
-              </a:rPr>
-              <a:t>de un </a:t>
-            </a:r>
-            <a:r>
-              <a:rPr sz="4400" spc="-20" dirty="0">
-                <a:latin typeface="Arial Rounded MT Bold"/>
-                <a:cs typeface="Arial Rounded MT Bold"/>
-              </a:rPr>
-              <a:t>p</a:t>
-            </a:r>
-            <a:r>
-              <a:rPr sz="4400" spc="-170" dirty="0">
-                <a:latin typeface="Arial Rounded MT Bold"/>
-                <a:cs typeface="Arial Rounded MT Bold"/>
-              </a:rPr>
-              <a:t>r</a:t>
-            </a:r>
-            <a:r>
-              <a:rPr sz="4400" dirty="0">
-                <a:latin typeface="Arial Rounded MT Bold"/>
-                <a:cs typeface="Arial Rounded MT Bold"/>
-              </a:rPr>
-              <a:t>o</a:t>
-            </a:r>
-            <a:r>
-              <a:rPr sz="4400" spc="-65" dirty="0">
-                <a:latin typeface="Arial Rounded MT Bold"/>
-                <a:cs typeface="Arial Rounded MT Bold"/>
-              </a:rPr>
-              <a:t>g</a:t>
-            </a:r>
-            <a:r>
-              <a:rPr sz="4400" spc="-110" dirty="0">
-                <a:latin typeface="Arial Rounded MT Bold"/>
-                <a:cs typeface="Arial Rounded MT Bold"/>
-              </a:rPr>
-              <a:t>r</a:t>
-            </a:r>
-            <a:r>
-              <a:rPr sz="4400" spc="-5" dirty="0">
-                <a:latin typeface="Arial Rounded MT Bold"/>
-                <a:cs typeface="Arial Rounded MT Bold"/>
-              </a:rPr>
-              <a:t>ama</a:t>
-            </a:r>
-            <a:endParaRPr sz="4400" dirty="0">
+              <a:rPr lang="es-ES" sz="7200" dirty="0">
+                <a:latin typeface="Arial Rounded MT Bold"/>
+                <a:cs typeface="Arial Rounded MT Bold"/>
+              </a:rPr>
+              <a:t>Gracias!!</a:t>
+            </a:r>
+            <a:endParaRPr sz="7200" dirty="0">
               <a:latin typeface="Arial Rounded MT Bold"/>
               <a:cs typeface="Arial Rounded MT Bold"/>
             </a:endParaRPr>
           </a:p>
-          <a:p>
-            <a:pPr marL="3810" algn="ctr">
-              <a:lnSpc>
-                <a:spcPct val="100000"/>
-              </a:lnSpc>
-              <a:tabLst>
-                <a:tab pos="1162685" algn="l"/>
-              </a:tabLst>
-            </a:pPr>
-            <a:r>
-              <a:rPr sz="4400" dirty="0">
-                <a:latin typeface="Arial Rounded MT Bold"/>
-                <a:cs typeface="Arial Rounded MT Bold"/>
-              </a:rPr>
-              <a:t>que	</a:t>
-            </a:r>
-            <a:r>
-              <a:rPr sz="4400" spc="-114" dirty="0">
-                <a:latin typeface="Arial Rounded MT Bold"/>
-                <a:cs typeface="Arial Rounded MT Bold"/>
-              </a:rPr>
-              <a:t>g</a:t>
-            </a:r>
-            <a:r>
-              <a:rPr sz="4400" spc="-5" dirty="0">
-                <a:latin typeface="Arial Rounded MT Bold"/>
-                <a:cs typeface="Arial Rounded MT Bold"/>
-              </a:rPr>
-              <a:t>ene</a:t>
-            </a:r>
-            <a:r>
-              <a:rPr sz="4400" spc="-95" dirty="0">
-                <a:latin typeface="Arial Rounded MT Bold"/>
-                <a:cs typeface="Arial Rounded MT Bold"/>
-              </a:rPr>
-              <a:t>r</a:t>
-            </a:r>
-            <a:r>
-              <a:rPr sz="4400" dirty="0">
-                <a:latin typeface="Arial Rounded MT Bold"/>
-                <a:cs typeface="Arial Rounded MT Bold"/>
-              </a:rPr>
-              <a:t>a</a:t>
-            </a:r>
-            <a:r>
-              <a:rPr sz="4400" spc="-20" dirty="0">
-                <a:latin typeface="Arial Rounded MT Bold"/>
-                <a:cs typeface="Arial Rounded MT Bold"/>
-              </a:rPr>
-              <a:t> </a:t>
-            </a:r>
-            <a:r>
-              <a:rPr sz="4400" dirty="0">
-                <a:latin typeface="Arial Rounded MT Bold"/>
-                <a:cs typeface="Arial Rounded MT Bold"/>
-              </a:rPr>
-              <a:t>una</a:t>
-            </a:r>
-            <a:r>
-              <a:rPr sz="4400" spc="5" dirty="0">
-                <a:latin typeface="Arial Rounded MT Bold"/>
-                <a:cs typeface="Arial Rounded MT Bold"/>
-              </a:rPr>
-              <a:t> </a:t>
-            </a:r>
-            <a:r>
-              <a:rPr sz="4400" dirty="0">
-                <a:latin typeface="Arial Rounded MT Bold"/>
-                <a:cs typeface="Arial Rounded MT Bold"/>
-              </a:rPr>
-              <a:t>lista:</a:t>
-            </a:r>
-          </a:p>
         </p:txBody>
       </p:sp>
-      <p:pic>
-        <p:nvPicPr>
-          <p:cNvPr id="8" name="Imagen 7">
-            <a:extLst>
-              <a:ext uri="{FF2B5EF4-FFF2-40B4-BE49-F238E27FC236}">
-                <a16:creationId xmlns:a16="http://schemas.microsoft.com/office/drawing/2014/main" id="{C2A5A859-3217-4D62-9695-C2EA69A67C0A}"/>
-              </a:ext>
-            </a:extLst>
-          </p:cNvPr>
-          <p:cNvPicPr>
-            <a:picLocks noChangeAspect="1"/>
-          </p:cNvPicPr>
-          <p:nvPr/>
-        </p:nvPicPr>
-        <p:blipFill>
-          <a:blip r:embed="rId3"/>
-          <a:stretch>
-            <a:fillRect/>
-          </a:stretch>
-        </p:blipFill>
-        <p:spPr>
-          <a:xfrm>
-            <a:off x="1828800" y="1752600"/>
-            <a:ext cx="5695950" cy="4127500"/>
-          </a:xfrm>
-          <a:prstGeom prst="rect">
-            <a:avLst/>
-          </a:prstGeom>
-        </p:spPr>
-      </p:pic>
-      <p:pic>
-        <p:nvPicPr>
-          <p:cNvPr id="6" name="Imagen 5">
-            <a:extLst>
-              <a:ext uri="{FF2B5EF4-FFF2-40B4-BE49-F238E27FC236}">
-                <a16:creationId xmlns:a16="http://schemas.microsoft.com/office/drawing/2014/main" id="{EC2B14D8-7930-4E77-9B07-9B708C1CFB39}"/>
-              </a:ext>
-            </a:extLst>
-          </p:cNvPr>
-          <p:cNvPicPr>
-            <a:picLocks noChangeAspect="1"/>
-          </p:cNvPicPr>
-          <p:nvPr/>
-        </p:nvPicPr>
-        <p:blipFill>
-          <a:blip r:embed="rId4"/>
-          <a:stretch>
-            <a:fillRect/>
-          </a:stretch>
-        </p:blipFill>
-        <p:spPr>
-          <a:xfrm>
-            <a:off x="6934200" y="4876800"/>
-            <a:ext cx="4468422" cy="1256030"/>
-          </a:xfrm>
-          <a:prstGeom prst="rect">
-            <a:avLst/>
-          </a:prstGeom>
-        </p:spPr>
-      </p:pic>
     </p:spTree>
   </p:cSld>
   <p:clrMapOvr>
@@ -10381,75 +10107,6 @@
             <a:endParaRPr sz="1000">
               <a:latin typeface="Corbel"/>
               <a:cs typeface="Corbel"/>
-            </a:endParaRPr>
-          </a:p>
-        </p:txBody>
-      </p:sp>
-    </p:spTree>
-  </p:cSld>
-  <p:clrMapOvr>
-    <a:masterClrMapping/>
-  </p:clrMapOvr>
-</p:sld>
-</file>
-
-<file path=ppt/slides/slide20.xml><?xml version="1.0" encoding="utf-8"?>
-<p:sld xmlns:a="http://schemas.openxmlformats.org/drawingml/2006/main" xmlns:r="http://schemas.openxmlformats.org/officeDocument/2006/relationships" xmlns:p="http://schemas.openxmlformats.org/presentationml/2006/main">
-  <p:cSld>
-    <p:spTree>
-      <p:nvGrpSpPr>
-        <p:cNvPr id="1" name=""/>
-        <p:cNvGrpSpPr/>
-        <p:nvPr/>
-      </p:nvGrpSpPr>
-      <p:grpSpPr>
-        <a:xfrm>
-          <a:off x="0" y="0"/>
-          <a:ext cx="0" cy="0"/>
-          <a:chOff x="0" y="0"/>
-          <a:chExt cx="0" cy="0"/>
-        </a:xfrm>
-      </p:grpSpPr>
-      <p:sp>
-        <p:nvSpPr>
-          <p:cNvPr id="2" name="object 2"/>
-          <p:cNvSpPr txBox="1"/>
-          <p:nvPr/>
-        </p:nvSpPr>
-        <p:spPr>
-          <a:xfrm>
-            <a:off x="3048000" y="2362200"/>
-            <a:ext cx="6885940" cy="663643"/>
-          </a:xfrm>
-          <a:prstGeom prst="rect">
-            <a:avLst/>
-          </a:prstGeom>
-        </p:spPr>
-        <p:txBody>
-          <a:bodyPr vert="horz" wrap="square" lIns="0" tIns="0" rIns="0" bIns="0" rtlCol="0">
-            <a:spAutoFit/>
-          </a:bodyPr>
-          <a:lstStyle/>
-          <a:p>
-            <a:pPr marL="12700" marR="207645">
-              <a:lnSpc>
-                <a:spcPts val="4750"/>
-              </a:lnSpc>
-              <a:tabLst>
-                <a:tab pos="1269365" algn="l"/>
-                <a:tab pos="1521460" algn="l"/>
-              </a:tabLst>
-            </a:pPr>
-            <a:r>
-              <a:rPr lang="es-ES" sz="7200" dirty="0">
-                <a:latin typeface="Arial Rounded MT Bold"/>
-                <a:cs typeface="Arial Rounded MT Bold"/>
-              </a:rPr>
-              <a:t>Gracias!!</a:t>
-            </a:r>
-            <a:endParaRPr sz="7200" dirty="0">
-              <a:latin typeface="Arial Rounded MT Bold"/>
-              <a:cs typeface="Arial Rounded MT Bold"/>
             </a:endParaRPr>
           </a:p>
         </p:txBody>
@@ -14180,7 +13837,7 @@
               </a:rPr>
               <a:t>pesos.</a:t>
             </a:r>
-            <a:endParaRPr sz="2600">
+            <a:endParaRPr sz="2600" dirty="0">
               <a:latin typeface="Corbel"/>
               <a:cs typeface="Corbel"/>
             </a:endParaRPr>
@@ -14199,7 +13856,7 @@
               <a:buFont typeface="Arial"/>
               <a:buChar char="•"/>
             </a:pPr>
-            <a:endParaRPr sz="4600">
+            <a:endParaRPr sz="4600" dirty="0">
               <a:latin typeface="Times New Roman"/>
               <a:cs typeface="Times New Roman"/>
             </a:endParaRPr>
@@ -14303,7 +13960,7 @@
               </a:rPr>
               <a:t>.</a:t>
             </a:r>
-            <a:endParaRPr sz="2600">
+            <a:endParaRPr sz="2600" dirty="0">
               <a:latin typeface="Corbel"/>
               <a:cs typeface="Corbel"/>
             </a:endParaRPr>
@@ -14319,7 +13976,7 @@
               <a:buFont typeface="Arial"/>
               <a:buChar char="•"/>
             </a:pPr>
-            <a:endParaRPr sz="2600">
+            <a:endParaRPr sz="2600" dirty="0">
               <a:latin typeface="Times New Roman"/>
               <a:cs typeface="Times New Roman"/>
             </a:endParaRPr>
@@ -14503,7 +14160,7 @@
               </a:rPr>
               <a:t>creó.</a:t>
             </a:r>
-            <a:endParaRPr sz="2600">
+            <a:endParaRPr sz="2600" dirty="0">
               <a:latin typeface="Corbel"/>
               <a:cs typeface="Corbel"/>
             </a:endParaRPr>
@@ -14519,7 +14176,7 @@
               <a:buFont typeface="Arial"/>
               <a:buChar char="•"/>
             </a:pPr>
-            <a:endParaRPr sz="2600">
+            <a:endParaRPr sz="2600" dirty="0">
               <a:latin typeface="Times New Roman"/>
               <a:cs typeface="Times New Roman"/>
             </a:endParaRPr>
@@ -14612,7 +14269,7 @@
               </a:rPr>
               <a:t>uivocarnos.</a:t>
             </a:r>
-            <a:endParaRPr sz="2600">
+            <a:endParaRPr sz="2600" dirty="0">
               <a:latin typeface="Corbel"/>
               <a:cs typeface="Corbel"/>
             </a:endParaRPr>
@@ -14631,7 +14288,7 @@
               <a:buFont typeface="Arial"/>
               <a:buChar char="•"/>
             </a:pPr>
-            <a:endParaRPr sz="4250">
+            <a:endParaRPr sz="4250" dirty="0">
               <a:latin typeface="Times New Roman"/>
               <a:cs typeface="Times New Roman"/>
             </a:endParaRPr>
@@ -14707,7 +14364,7 @@
               </a:rPr>
               <a:t>so.</a:t>
             </a:r>
-            <a:endParaRPr sz="2600">
+            <a:endParaRPr sz="2600" dirty="0">
               <a:latin typeface="Corbel"/>
               <a:cs typeface="Corbel"/>
             </a:endParaRPr>

--- a/CalendarioAgo2023/presentaciones/8_ListasNumpy.pptx
+++ b/CalendarioAgo2023/presentaciones/8_ListasNumpy.pptx
@@ -1282,7 +1282,7 @@
           <a:p>
             <a:fld id="{1D8BD707-D9CF-40AE-B4C6-C98DA3205C09}" type="datetimeFigureOut">
               <a:rPr lang="en-US"/>
-              <a:t>10/1/2023</a:t>
+              <a:t>10/4/2023</a:t>
             </a:fld>
             <a:endParaRPr lang="en-US"/>
           </a:p>
@@ -1459,7 +1459,7 @@
           <a:p>
             <a:fld id="{1D8BD707-D9CF-40AE-B4C6-C98DA3205C09}" type="datetimeFigureOut">
               <a:rPr lang="en-US"/>
-              <a:t>10/1/2023</a:t>
+              <a:t>10/4/2023</a:t>
             </a:fld>
             <a:endParaRPr lang="en-US"/>
           </a:p>
@@ -1673,7 +1673,7 @@
           <a:p>
             <a:fld id="{1D8BD707-D9CF-40AE-B4C6-C98DA3205C09}" type="datetimeFigureOut">
               <a:rPr lang="en-US"/>
-              <a:t>10/1/2023</a:t>
+              <a:t>10/4/2023</a:t>
             </a:fld>
             <a:endParaRPr lang="en-US"/>
           </a:p>
@@ -1821,7 +1821,7 @@
           <a:p>
             <a:fld id="{1D8BD707-D9CF-40AE-B4C6-C98DA3205C09}" type="datetimeFigureOut">
               <a:rPr lang="en-US"/>
-              <a:t>10/1/2023</a:t>
+              <a:t>10/4/2023</a:t>
             </a:fld>
             <a:endParaRPr lang="en-US"/>
           </a:p>
@@ -1940,7 +1940,7 @@
           <a:p>
             <a:fld id="{1D8BD707-D9CF-40AE-B4C6-C98DA3205C09}" type="datetimeFigureOut">
               <a:rPr lang="en-US"/>
-              <a:t>10/1/2023</a:t>
+              <a:t>10/4/2023</a:t>
             </a:fld>
             <a:endParaRPr lang="en-US"/>
           </a:p>
@@ -2500,7 +2500,7 @@
           <a:p>
             <a:fld id="{1D8BD707-D9CF-40AE-B4C6-C98DA3205C09}" type="datetimeFigureOut">
               <a:rPr lang="en-US"/>
-              <a:t>10/1/2023</a:t>
+              <a:t>10/4/2023</a:t>
             </a:fld>
             <a:endParaRPr lang="en-US"/>
           </a:p>
